--- a/周记/Week-6 PEFT.pptx
+++ b/周记/Week-6 PEFT.pptx
@@ -215,7 +215,7 @@
           <a:p>
             <a:fld id="{1E5BCEC9-DDE4-4B30-87D6-0017517D5E27}" type="datetimeFigureOut">
               <a:rPr lang="zh-CN" altLang="en-US" smtClean="0"/>
-              <a:t>2023/11/23</a:t>
+              <a:t>2024/2/11</a:t>
             </a:fld>
             <a:endParaRPr lang="zh-CN" altLang="en-US"/>
           </a:p>
@@ -532,7 +532,7 @@
               </a14:hiddenFill>
             </a:ext>
             <a:ext uri="{FAA26D3D-D897-4be2-8F04-BA451C77F1D7}">
-              <ma14:placeholderFlag xmlns="" xmlns:ma14="http://schemas.microsoft.com/office/mac/drawingml/2011/main" val="1"/>
+              <ma14:placeholderFlag xmlns:ma14="http://schemas.microsoft.com/office/mac/drawingml/2011/main" xmlns="" val="1"/>
             </a:ext>
           </a:extLst>
         </p:spPr>
@@ -1067,7 +1067,7 @@
                 <a:tabLst/>
                 <a:defRPr/>
               </a:pPr>
-              <a:t>2023/11/23</a:t>
+              <a:t>2024/2/11</a:t>
             </a:fld>
             <a:endParaRPr kumimoji="0" lang="zh-CN" altLang="en-US" sz="1200" b="1" i="0" u="none" strike="noStrike" kern="1200" cap="none" spc="0" normalizeH="0" baseline="0" noProof="0">
               <a:ln>
@@ -1383,7 +1383,7 @@
                 <a:tabLst/>
                 <a:defRPr/>
               </a:pPr>
-              <a:t>2023/11/23</a:t>
+              <a:t>2024/2/11</a:t>
             </a:fld>
             <a:endParaRPr kumimoji="0" lang="zh-CN" altLang="en-US" sz="1200" b="1" i="0" u="none" strike="noStrike" kern="1200" cap="none" spc="0" normalizeH="0" baseline="0" noProof="0">
               <a:ln>
@@ -1896,7 +1896,7 @@
                 <a:tabLst/>
                 <a:defRPr/>
               </a:pPr>
-              <a:t>2023/11/23</a:t>
+              <a:t>2024/2/11</a:t>
             </a:fld>
             <a:endParaRPr kumimoji="0" lang="zh-CN" altLang="en-US" sz="1200" b="1" i="0" u="none" strike="noStrike" kern="1200" cap="none" spc="0" normalizeH="0" baseline="0" noProof="0">
               <a:ln>
@@ -2410,7 +2410,7 @@
                 <a:tabLst/>
                 <a:defRPr/>
               </a:pPr>
-              <a:t>2023/11/23</a:t>
+              <a:t>2024/2/11</a:t>
             </a:fld>
             <a:endParaRPr kumimoji="0" lang="zh-CN" altLang="en-US" sz="1200" b="1" i="0" u="none" strike="noStrike" kern="1200" cap="none" spc="0" normalizeH="0" baseline="0" noProof="0">
               <a:ln>
@@ -2710,7 +2710,7 @@
                 <a:tabLst/>
                 <a:defRPr/>
               </a:pPr>
-              <a:t>2023/11/23</a:t>
+              <a:t>2024/2/11</a:t>
             </a:fld>
             <a:endParaRPr kumimoji="0" lang="zh-CN" altLang="en-US" sz="1200" b="1" i="0" u="none" strike="noStrike" kern="1200" cap="none" spc="0" normalizeH="0" baseline="0" noProof="0">
               <a:ln>
@@ -2997,7 +2997,7 @@
           <a:p>
             <a:fld id="{7FA7C40F-0D87-4C47-A7B0-B93EF7B2BEDD}" type="datetimeFigureOut">
               <a:rPr lang="zh-CN" altLang="en-US" smtClean="0"/>
-              <a:t>2023/11/23</a:t>
+              <a:t>2024/2/11</a:t>
             </a:fld>
             <a:endParaRPr lang="zh-CN" altLang="en-US"/>
           </a:p>
@@ -3226,7 +3226,7 @@
           <a:p>
             <a:fld id="{7FA7C40F-0D87-4C47-A7B0-B93EF7B2BEDD}" type="datetimeFigureOut">
               <a:rPr lang="zh-CN" altLang="en-US" smtClean="0"/>
-              <a:t>2023/11/23</a:t>
+              <a:t>2024/2/11</a:t>
             </a:fld>
             <a:endParaRPr lang="zh-CN" altLang="en-US"/>
           </a:p>
@@ -3488,7 +3488,7 @@
                 <a:tabLst/>
                 <a:defRPr/>
               </a:pPr>
-              <a:t>2023/11/23</a:t>
+              <a:t>2024/2/11</a:t>
             </a:fld>
             <a:endParaRPr kumimoji="0" lang="zh-CN" altLang="en-US" sz="1200" b="1" i="0" u="none" strike="noStrike" kern="1200" cap="none" spc="0" normalizeH="0" baseline="0" noProof="0">
               <a:ln>
@@ -4220,10 +4220,10 @@
           <a:p>
             <a:pPr algn="ctr"/>
             <a:r>
-              <a:rPr lang="en-US" altLang="zh-CN" dirty="0">
+              <a:rPr lang="en-US" altLang="zh-CN">
                 <a:latin typeface="+mn-ea"/>
               </a:rPr>
-              <a:t>2023.11.23</a:t>
+              <a:t>2023.11.30</a:t>
             </a:r>
             <a:endParaRPr lang="zh-CN" altLang="en-US" dirty="0">
               <a:latin typeface="+mn-ea"/>
@@ -4261,7 +4261,7 @@
           <a:p>
             <a:r>
               <a:rPr lang="en-US" altLang="zh-CN" sz="2400" b="1" dirty="0"/>
-              <a:t>Week 4</a:t>
+              <a:t>Week 6</a:t>
             </a:r>
             <a:endParaRPr lang="zh-CN" altLang="en-US" sz="2400" b="1" dirty="0"/>
           </a:p>
